--- a/TechBU/AngularJS/Getting Started With AngularJS/AngularJS_WP_21Oct.pptx
+++ b/TechBU/AngularJS/Getting Started With AngularJS/AngularJS_WP_21Oct.pptx
@@ -251,7 +251,7 @@
             <a:fld id="{D3B9D668-99ED-49CF-831F-A840C6D76BAE}" type="datetimeFigureOut">
               <a:rPr lang="en-US" smtClean="0"/>
               <a:pPr/>
-              <a:t>10/20/2015</a:t>
+              <a:t>10/21/2015</a:t>
             </a:fld>
             <a:endParaRPr lang="en-US"/>
           </a:p>
@@ -418,7 +418,7 @@
             <a:fld id="{D8D4A736-C162-4D71-AF44-405F76366576}" type="datetimeFigureOut">
               <a:rPr lang="en-US" smtClean="0"/>
               <a:pPr/>
-              <a:t>10/20/2015</a:t>
+              <a:t>10/21/2015</a:t>
             </a:fld>
             <a:endParaRPr lang="en-US"/>
           </a:p>
@@ -19256,7 +19256,7 @@
           <a:graphicData uri="http://schemas.openxmlformats.org/presentationml/2006/ole">
             <mc:AlternateContent xmlns:mc="http://schemas.openxmlformats.org/markup-compatibility/2006">
               <mc:Choice xmlns:v="urn:schemas-microsoft-com:vml" Requires="v">
-                <p:oleObj spid="_x0000_s1154" name="think-cell Slide" r:id="rId14" imgW="360" imgH="360" progId="">
+                <p:oleObj spid="_x0000_s1157" name="think-cell Slide" r:id="rId14" imgW="360" imgH="360" progId="">
                   <p:embed/>
                 </p:oleObj>
               </mc:Choice>
@@ -19295,7 +19295,7 @@
                       <a:noFill/>
                       <a:extLst>
                         <a:ext uri="{909E8E84-426E-40dd-AFC4-6F175D3DCCD1}">
-                          <a14:hiddenFill xmlns="" xmlns:a14="http://schemas.microsoft.com/office/drawing/2010/main">
+                          <a14:hiddenFill xmlns:a14="http://schemas.microsoft.com/office/drawing/2010/main" xmlns="">
                             <a:solidFill>
                               <a:srgbClr val="FFFFFF"/>
                             </a:solidFill>
@@ -19883,7 +19883,7 @@
           <a:graphicData uri="http://schemas.openxmlformats.org/presentationml/2006/ole">
             <mc:AlternateContent xmlns:mc="http://schemas.openxmlformats.org/markup-compatibility/2006">
               <mc:Choice xmlns:v="urn:schemas-microsoft-com:vml" Requires="v">
-                <p:oleObj spid="_x0000_s2178" name="think-cell Slide" r:id="rId13" imgW="360" imgH="360" progId="">
+                <p:oleObj spid="_x0000_s2181" name="think-cell Slide" r:id="rId13" imgW="360" imgH="360" progId="">
                   <p:embed/>
                 </p:oleObj>
               </mc:Choice>
@@ -19922,7 +19922,7 @@
                       <a:noFill/>
                       <a:extLst>
                         <a:ext uri="{909E8E84-426E-40dd-AFC4-6F175D3DCCD1}">
-                          <a14:hiddenFill xmlns="" xmlns:a14="http://schemas.microsoft.com/office/drawing/2010/main">
+                          <a14:hiddenFill xmlns:a14="http://schemas.microsoft.com/office/drawing/2010/main" xmlns="">
                             <a:solidFill>
                               <a:srgbClr val="FFFFFF"/>
                             </a:solidFill>
@@ -20509,7 +20509,7 @@
           <a:graphicData uri="http://schemas.openxmlformats.org/presentationml/2006/ole">
             <mc:AlternateContent xmlns:mc="http://schemas.openxmlformats.org/markup-compatibility/2006">
               <mc:Choice xmlns:v="urn:schemas-microsoft-com:vml" Requires="v">
-                <p:oleObj spid="_x0000_s4216" name="think-cell Slide" r:id="rId14" imgW="360" imgH="360" progId="">
+                <p:oleObj spid="_x0000_s4219" name="think-cell Slide" r:id="rId14" imgW="360" imgH="360" progId="">
                   <p:embed/>
                 </p:oleObj>
               </mc:Choice>
@@ -20548,7 +20548,7 @@
                       <a:noFill/>
                       <a:extLst>
                         <a:ext uri="{909E8E84-426E-40dd-AFC4-6F175D3DCCD1}">
-                          <a14:hiddenFill xmlns="" xmlns:a14="http://schemas.microsoft.com/office/drawing/2010/main">
+                          <a14:hiddenFill xmlns:a14="http://schemas.microsoft.com/office/drawing/2010/main" xmlns="">
                             <a:solidFill>
                               <a:srgbClr val="FFFFFF"/>
                             </a:solidFill>
@@ -21136,7 +21136,7 @@
           <a:graphicData uri="http://schemas.openxmlformats.org/presentationml/2006/ole">
             <mc:AlternateContent xmlns:mc="http://schemas.openxmlformats.org/markup-compatibility/2006">
               <mc:Choice xmlns:v="urn:schemas-microsoft-com:vml" Requires="v">
-                <p:oleObj spid="_x0000_s9333" name="think-cell Slide" r:id="rId13" imgW="360" imgH="360" progId="">
+                <p:oleObj spid="_x0000_s9336" name="think-cell Slide" r:id="rId13" imgW="360" imgH="360" progId="">
                   <p:embed/>
                 </p:oleObj>
               </mc:Choice>
@@ -21175,7 +21175,7 @@
                       <a:noFill/>
                       <a:extLst>
                         <a:ext uri="{909E8E84-426E-40dd-AFC4-6F175D3DCCD1}">
-                          <a14:hiddenFill xmlns="" xmlns:a14="http://schemas.microsoft.com/office/drawing/2010/main">
+                          <a14:hiddenFill xmlns:a14="http://schemas.microsoft.com/office/drawing/2010/main" xmlns="">
                             <a:solidFill>
                               <a:srgbClr val="FFFFFF"/>
                             </a:solidFill>
@@ -22134,29 +22134,7 @@
                 <a:ea typeface="Tahoma" panose="020B0604030504040204" pitchFamily="34" charset="0"/>
                 <a:cs typeface="Tahoma" panose="020B0604030504040204" pitchFamily="34" charset="0"/>
               </a:rPr>
-              <a:t>DOM Content </a:t>
-            </a:r>
-            <a:r>
-              <a:rPr lang="en-IN" sz="1100" dirty="0" smtClean="0">
-                <a:solidFill>
-                  <a:schemeClr val="tx1"/>
-                </a:solidFill>
-                <a:latin typeface="Tahoma" panose="020B0604030504040204" pitchFamily="34" charset="0"/>
-                <a:ea typeface="Tahoma" panose="020B0604030504040204" pitchFamily="34" charset="0"/>
-                <a:cs typeface="Tahoma" panose="020B0604030504040204" pitchFamily="34" charset="0"/>
-              </a:rPr>
-              <a:t>Loaded </a:t>
-            </a:r>
-            <a:r>
-              <a:rPr lang="en-IN" sz="1100" dirty="0" smtClean="0">
-                <a:solidFill>
-                  <a:schemeClr val="tx1"/>
-                </a:solidFill>
-                <a:latin typeface="Tahoma" panose="020B0604030504040204" pitchFamily="34" charset="0"/>
-                <a:ea typeface="Tahoma" panose="020B0604030504040204" pitchFamily="34" charset="0"/>
-                <a:cs typeface="Tahoma" panose="020B0604030504040204" pitchFamily="34" charset="0"/>
-              </a:rPr>
-              <a:t>Event</a:t>
+              <a:t>DOM Content Loaded Event</a:t>
             </a:r>
             <a:endParaRPr lang="en-IN" sz="1100" dirty="0">
               <a:solidFill>
@@ -23113,11 +23091,11 @@
   <p:clrMapOvr>
     <a:masterClrMapping/>
   </p:clrMapOvr>
-  <mc:AlternateContent xmlns:mc="http://schemas.openxmlformats.org/markup-compatibility/2006">
-    <mc:Choice xmlns:p14="http://schemas.microsoft.com/office/powerpoint/2010/main" Requires="p14">
+  <mc:AlternateContent xmlns:mc="http://schemas.openxmlformats.org/markup-compatibility/2006" xmlns:p14="http://schemas.microsoft.com/office/powerpoint/2010/main">
+    <mc:Choice Requires="p14">
       <p:transition spd="slow" p14:dur="2000"/>
     </mc:Choice>
-    <mc:Fallback>
+    <mc:Fallback xmlns="">
       <p:transition spd="slow"/>
     </mc:Fallback>
   </mc:AlternateContent>
@@ -25462,11 +25440,7 @@
           <a:p>
             <a:r>
               <a:rPr lang="en-US" dirty="0" smtClean="0"/>
-              <a:t>Hence The Growth In Job </a:t>
-            </a:r>
-            <a:r>
-              <a:rPr lang="en-US" dirty="0" smtClean="0"/>
-              <a:t>Trends</a:t>
+              <a:t>Hence The Growth In Job Trends</a:t>
             </a:r>
             <a:endParaRPr lang="en-US" dirty="0"/>
           </a:p>
@@ -25531,7 +25505,7 @@
           <a:graphicData uri="http://schemas.openxmlformats.org/presentationml/2006/ole">
             <mc:AlternateContent xmlns:mc="http://schemas.openxmlformats.org/markup-compatibility/2006">
               <mc:Choice xmlns:v="urn:schemas-microsoft-com:vml" Requires="v">
-                <p:oleObj spid="_x0000_s10286" name="think-cell Slide" r:id="rId4" imgW="360" imgH="360" progId="">
+                <p:oleObj spid="_x0000_s10289" name="think-cell Slide" r:id="rId4" imgW="360" imgH="360" progId="">
                   <p:embed/>
                 </p:oleObj>
               </mc:Choice>
@@ -25570,7 +25544,7 @@
                       <a:noFill/>
                       <a:extLst>
                         <a:ext uri="{909E8E84-426E-40dd-AFC4-6F175D3DCCD1}">
-                          <a14:hiddenFill xmlns="" xmlns:a14="http://schemas.microsoft.com/office/drawing/2010/main">
+                          <a14:hiddenFill xmlns:a14="http://schemas.microsoft.com/office/drawing/2010/main" xmlns="">
                             <a:solidFill>
                               <a:srgbClr val="FFFFFF"/>
                             </a:solidFill>
@@ -25858,7 +25832,7 @@
           <a:graphicData uri="http://schemas.openxmlformats.org/presentationml/2006/ole">
             <mc:AlternateContent xmlns:mc="http://schemas.openxmlformats.org/markup-compatibility/2006">
               <mc:Choice xmlns:v="urn:schemas-microsoft-com:vml" Requires="v">
-                <p:oleObj spid="_x0000_s12332" name="think-cell Slide" r:id="rId4" imgW="360" imgH="360" progId="">
+                <p:oleObj spid="_x0000_s12335" name="think-cell Slide" r:id="rId4" imgW="360" imgH="360" progId="">
                   <p:embed/>
                 </p:oleObj>
               </mc:Choice>
@@ -25897,7 +25871,7 @@
                       <a:noFill/>
                       <a:extLst>
                         <a:ext uri="{909E8E84-426E-40dd-AFC4-6F175D3DCCD1}">
-                          <a14:hiddenFill xmlns="" xmlns:a14="http://schemas.microsoft.com/office/drawing/2010/main">
+                          <a14:hiddenFill xmlns:a14="http://schemas.microsoft.com/office/drawing/2010/main" xmlns="">
                             <a:solidFill>
                               <a:srgbClr val="FFFFFF"/>
                             </a:solidFill>
@@ -27893,8 +27867,21 @@
                 <a:ea typeface="Tahoma" panose="020B0604030504040204" pitchFamily="34" charset="0"/>
                 <a:cs typeface="Tahoma" panose="020B0604030504040204" pitchFamily="34" charset="0"/>
               </a:rPr>
-              <a:t>What is Single Page Application</a:t>
-            </a:r>
+              <a:t>What is Single Page </a:t>
+            </a:r>
+            <a:r>
+              <a:rPr lang="en-US" sz="1200" dirty="0" smtClean="0">
+                <a:latin typeface="Tahoma" panose="020B0604030504040204" pitchFamily="34" charset="0"/>
+                <a:ea typeface="Tahoma" panose="020B0604030504040204" pitchFamily="34" charset="0"/>
+                <a:cs typeface="Tahoma" panose="020B0604030504040204" pitchFamily="34" charset="0"/>
+              </a:rPr>
+              <a:t>Application?</a:t>
+            </a:r>
+            <a:endParaRPr lang="en-US" sz="1200" dirty="0" smtClean="0">
+              <a:latin typeface="Tahoma" panose="020B0604030504040204" pitchFamily="34" charset="0"/>
+              <a:ea typeface="Tahoma" panose="020B0604030504040204" pitchFamily="34" charset="0"/>
+              <a:cs typeface="Tahoma" panose="020B0604030504040204" pitchFamily="34" charset="0"/>
+            </a:endParaRPr>
           </a:p>
           <a:p>
             <a:pPr marL="285750" indent="-285750">
@@ -27958,8 +27945,21 @@
                 <a:ea typeface="Tahoma" panose="020B0604030504040204" pitchFamily="34" charset="0"/>
                 <a:cs typeface="Tahoma" panose="020B0604030504040204" pitchFamily="34" charset="0"/>
               </a:rPr>
-              <a:t>ingle Page Application</a:t>
-            </a:r>
+              <a:t>ingle Page </a:t>
+            </a:r>
+            <a:r>
+              <a:rPr lang="en-US" sz="1200" dirty="0" smtClean="0">
+                <a:latin typeface="Tahoma" panose="020B0604030504040204" pitchFamily="34" charset="0"/>
+                <a:ea typeface="Tahoma" panose="020B0604030504040204" pitchFamily="34" charset="0"/>
+                <a:cs typeface="Tahoma" panose="020B0604030504040204" pitchFamily="34" charset="0"/>
+              </a:rPr>
+              <a:t>Application?</a:t>
+            </a:r>
+            <a:endParaRPr lang="en-US" sz="1200" dirty="0" smtClean="0">
+              <a:latin typeface="Tahoma" panose="020B0604030504040204" pitchFamily="34" charset="0"/>
+              <a:ea typeface="Tahoma" panose="020B0604030504040204" pitchFamily="34" charset="0"/>
+              <a:cs typeface="Tahoma" panose="020B0604030504040204" pitchFamily="34" charset="0"/>
+            </a:endParaRPr>
           </a:p>
           <a:p>
             <a:pPr marL="285750" indent="-285750">
@@ -33433,7 +33433,7 @@
           <a:graphicData uri="http://schemas.openxmlformats.org/presentationml/2006/ole">
             <mc:AlternateContent xmlns:mc="http://schemas.openxmlformats.org/markup-compatibility/2006">
               <mc:Choice xmlns:v="urn:schemas-microsoft-com:vml" Requires="v">
-                <p:oleObj spid="_x0000_s13354" name="think-cell Slide" r:id="rId4" imgW="360" imgH="360" progId="">
+                <p:oleObj spid="_x0000_s13357" name="think-cell Slide" r:id="rId4" imgW="360" imgH="360" progId="">
                   <p:embed/>
                 </p:oleObj>
               </mc:Choice>
@@ -33472,7 +33472,7 @@
                       <a:noFill/>
                       <a:extLst>
                         <a:ext uri="{909E8E84-426E-40dd-AFC4-6F175D3DCCD1}">
-                          <a14:hiddenFill xmlns="" xmlns:a14="http://schemas.microsoft.com/office/drawing/2010/main">
+                          <a14:hiddenFill xmlns:a14="http://schemas.microsoft.com/office/drawing/2010/main" xmlns="">
                             <a:solidFill>
                               <a:srgbClr val="FFFFFF"/>
                             </a:solidFill>
@@ -39469,7 +39469,7 @@
           <a:graphicData uri="http://schemas.openxmlformats.org/presentationml/2006/ole">
             <mc:AlternateContent xmlns:mc="http://schemas.openxmlformats.org/markup-compatibility/2006">
               <mc:Choice xmlns:v="urn:schemas-microsoft-com:vml" Requires="v">
-                <p:oleObj spid="_x0000_s5240" name="think-cell Slide" r:id="rId4" imgW="360" imgH="360" progId="">
+                <p:oleObj spid="_x0000_s5243" name="think-cell Slide" r:id="rId4" imgW="360" imgH="360" progId="">
                   <p:embed/>
                 </p:oleObj>
               </mc:Choice>
@@ -39508,7 +39508,7 @@
                       <a:noFill/>
                       <a:extLst>
                         <a:ext uri="{909E8E84-426E-40dd-AFC4-6F175D3DCCD1}">
-                          <a14:hiddenFill xmlns="" xmlns:a14="http://schemas.microsoft.com/office/drawing/2010/main">
+                          <a14:hiddenFill xmlns:a14="http://schemas.microsoft.com/office/drawing/2010/main" xmlns="">
                             <a:solidFill>
                               <a:srgbClr val="FFFFFF"/>
                             </a:solidFill>
@@ -40565,7 +40565,7 @@
           <a:graphicData uri="http://schemas.openxmlformats.org/presentationml/2006/ole">
             <mc:AlternateContent xmlns:mc="http://schemas.openxmlformats.org/markup-compatibility/2006">
               <mc:Choice xmlns:v="urn:schemas-microsoft-com:vml" Requires="v">
-                <p:oleObj spid="_x0000_s3202" name="think-cell Slide" r:id="rId4" imgW="360" imgH="360" progId="">
+                <p:oleObj spid="_x0000_s3205" name="think-cell Slide" r:id="rId4" imgW="360" imgH="360" progId="">
                   <p:embed/>
                 </p:oleObj>
               </mc:Choice>
@@ -40604,7 +40604,7 @@
                       <a:noFill/>
                       <a:extLst>
                         <a:ext uri="{909E8E84-426E-40dd-AFC4-6F175D3DCCD1}">
-                          <a14:hiddenFill xmlns="" xmlns:a14="http://schemas.microsoft.com/office/drawing/2010/main">
+                          <a14:hiddenFill xmlns:a14="http://schemas.microsoft.com/office/drawing/2010/main" xmlns="">
                             <a:solidFill>
                               <a:srgbClr val="FFFFFF"/>
                             </a:solidFill>
@@ -40668,17 +40668,7 @@
                 <a:latin typeface="Calibri" panose="020F0502020204030204" pitchFamily="34" charset="0"/>
                 <a:cs typeface="Calibri" panose="020F0502020204030204" pitchFamily="34" charset="0"/>
               </a:rPr>
-              <a:t>Thank </a:t>
-            </a:r>
-            <a:r>
-              <a:rPr lang="en-US" sz="4800" b="1" dirty="0" smtClean="0">
-                <a:solidFill>
-                  <a:prstClr val="white"/>
-                </a:solidFill>
-                <a:latin typeface="Calibri" panose="020F0502020204030204" pitchFamily="34" charset="0"/>
-                <a:cs typeface="Calibri" panose="020F0502020204030204" pitchFamily="34" charset="0"/>
-              </a:rPr>
-              <a:t>You</a:t>
+              <a:t>Thank You</a:t>
             </a:r>
           </a:p>
           <a:p>
@@ -41217,11 +41207,7 @@
           <a:p>
             <a:r>
               <a:rPr lang="en-US" dirty="0" smtClean="0"/>
-              <a:t>Traditional Way of Manipulating </a:t>
-            </a:r>
-            <a:r>
-              <a:rPr lang="en-US" dirty="0" smtClean="0"/>
-              <a:t>DOM - JavaScript</a:t>
+              <a:t>Traditional Way of Manipulating DOM - JavaScript</a:t>
             </a:r>
             <a:endParaRPr lang="en-US" dirty="0"/>
           </a:p>
@@ -41590,40 +41576,7 @@
                 <a:ea typeface="Tahoma" panose="020B0604030504040204" pitchFamily="34" charset="0"/>
                 <a:cs typeface="Tahoma" panose="020B0604030504040204" pitchFamily="34" charset="0"/>
               </a:rPr>
-              <a:t>I remember jQuery can do </a:t>
-            </a:r>
-            <a:r>
-              <a:rPr lang="en-US" sz="1300" dirty="0" smtClean="0">
-                <a:solidFill>
-                  <a:schemeClr val="tx1"/>
-                </a:solidFill>
-                <a:latin typeface="Tahoma" panose="020B0604030504040204" pitchFamily="34" charset="0"/>
-                <a:ea typeface="Tahoma" panose="020B0604030504040204" pitchFamily="34" charset="0"/>
-                <a:cs typeface="Tahoma" panose="020B0604030504040204" pitchFamily="34" charset="0"/>
-              </a:rPr>
-              <a:t>DOM manipulation</a:t>
-            </a:r>
-            <a:r>
-              <a:rPr lang="en-US" sz="1300" dirty="0" smtClean="0">
-                <a:solidFill>
-                  <a:schemeClr val="tx1"/>
-                </a:solidFill>
-                <a:latin typeface="Tahoma" panose="020B0604030504040204" pitchFamily="34" charset="0"/>
-                <a:ea typeface="Tahoma" panose="020B0604030504040204" pitchFamily="34" charset="0"/>
-                <a:cs typeface="Tahoma" panose="020B0604030504040204" pitchFamily="34" charset="0"/>
-              </a:rPr>
-              <a:t> </a:t>
-            </a:r>
-            <a:r>
-              <a:rPr lang="en-US" sz="1300" dirty="0" smtClean="0">
-                <a:solidFill>
-                  <a:schemeClr val="tx1"/>
-                </a:solidFill>
-                <a:latin typeface="Tahoma" panose="020B0604030504040204" pitchFamily="34" charset="0"/>
-                <a:ea typeface="Tahoma" panose="020B0604030504040204" pitchFamily="34" charset="0"/>
-                <a:cs typeface="Tahoma" panose="020B0604030504040204" pitchFamily="34" charset="0"/>
-              </a:rPr>
-              <a:t>pretty easily !</a:t>
+              <a:t>I remember jQuery can do DOM manipulation pretty easily !</a:t>
             </a:r>
             <a:endParaRPr lang="en-US" sz="1300" dirty="0">
               <a:solidFill>
@@ -41991,15 +41944,7 @@
           <a:p>
             <a:r>
               <a:rPr lang="en-US" dirty="0" smtClean="0"/>
-              <a:t>Manipulating </a:t>
-            </a:r>
-            <a:r>
-              <a:rPr lang="en-US" dirty="0" smtClean="0"/>
-              <a:t>DOM - </a:t>
-            </a:r>
-            <a:r>
-              <a:rPr lang="en-US" dirty="0" smtClean="0"/>
-              <a:t>AngularJS</a:t>
+              <a:t>Manipulating DOM - AngularJS</a:t>
             </a:r>
             <a:endParaRPr lang="en-US" dirty="0"/>
           </a:p>
